--- a/AtliQ Hospitality.pptx
+++ b/AtliQ Hospitality.pptx
@@ -271,7 +271,7 @@
           <a:p>
             <a:fld id="{37A2730A-859E-B540-ADF3-E97069AD1FDB}" type="datetimeFigureOut">
               <a:rPr lang="en-US" smtClean="0"/>
-              <a:t>6/21/2023</a:t>
+              <a:t>6/22/2023</a:t>
             </a:fld>
             <a:endParaRPr lang="en-US"/>
           </a:p>
@@ -469,7 +469,7 @@
           <a:p>
             <a:fld id="{37A2730A-859E-B540-ADF3-E97069AD1FDB}" type="datetimeFigureOut">
               <a:rPr lang="en-US" smtClean="0"/>
-              <a:t>6/21/2023</a:t>
+              <a:t>6/22/2023</a:t>
             </a:fld>
             <a:endParaRPr lang="en-US"/>
           </a:p>
@@ -677,7 +677,7 @@
           <a:p>
             <a:fld id="{37A2730A-859E-B540-ADF3-E97069AD1FDB}" type="datetimeFigureOut">
               <a:rPr lang="en-US" smtClean="0"/>
-              <a:t>6/21/2023</a:t>
+              <a:t>6/22/2023</a:t>
             </a:fld>
             <a:endParaRPr lang="en-US"/>
           </a:p>
@@ -875,7 +875,7 @@
           <a:p>
             <a:fld id="{37A2730A-859E-B540-ADF3-E97069AD1FDB}" type="datetimeFigureOut">
               <a:rPr lang="en-US" smtClean="0"/>
-              <a:t>6/21/2023</a:t>
+              <a:t>6/22/2023</a:t>
             </a:fld>
             <a:endParaRPr lang="en-US"/>
           </a:p>
@@ -1150,7 +1150,7 @@
           <a:p>
             <a:fld id="{37A2730A-859E-B540-ADF3-E97069AD1FDB}" type="datetimeFigureOut">
               <a:rPr lang="en-US" smtClean="0"/>
-              <a:t>6/21/2023</a:t>
+              <a:t>6/22/2023</a:t>
             </a:fld>
             <a:endParaRPr lang="en-US"/>
           </a:p>
@@ -1415,7 +1415,7 @@
           <a:p>
             <a:fld id="{37A2730A-859E-B540-ADF3-E97069AD1FDB}" type="datetimeFigureOut">
               <a:rPr lang="en-US" smtClean="0"/>
-              <a:t>6/21/2023</a:t>
+              <a:t>6/22/2023</a:t>
             </a:fld>
             <a:endParaRPr lang="en-US"/>
           </a:p>
@@ -1827,7 +1827,7 @@
           <a:p>
             <a:fld id="{37A2730A-859E-B540-ADF3-E97069AD1FDB}" type="datetimeFigureOut">
               <a:rPr lang="en-US" smtClean="0"/>
-              <a:t>6/21/2023</a:t>
+              <a:t>6/22/2023</a:t>
             </a:fld>
             <a:endParaRPr lang="en-US"/>
           </a:p>
@@ -1968,7 +1968,7 @@
           <a:p>
             <a:fld id="{37A2730A-859E-B540-ADF3-E97069AD1FDB}" type="datetimeFigureOut">
               <a:rPr lang="en-US" smtClean="0"/>
-              <a:t>6/21/2023</a:t>
+              <a:t>6/22/2023</a:t>
             </a:fld>
             <a:endParaRPr lang="en-US"/>
           </a:p>
@@ -2081,7 +2081,7 @@
           <a:p>
             <a:fld id="{37A2730A-859E-B540-ADF3-E97069AD1FDB}" type="datetimeFigureOut">
               <a:rPr lang="en-US" smtClean="0"/>
-              <a:t>6/21/2023</a:t>
+              <a:t>6/22/2023</a:t>
             </a:fld>
             <a:endParaRPr lang="en-US"/>
           </a:p>
@@ -2392,7 +2392,7 @@
           <a:p>
             <a:fld id="{37A2730A-859E-B540-ADF3-E97069AD1FDB}" type="datetimeFigureOut">
               <a:rPr lang="en-US" smtClean="0"/>
-              <a:t>6/21/2023</a:t>
+              <a:t>6/22/2023</a:t>
             </a:fld>
             <a:endParaRPr lang="en-US"/>
           </a:p>
@@ -2680,7 +2680,7 @@
           <a:p>
             <a:fld id="{37A2730A-859E-B540-ADF3-E97069AD1FDB}" type="datetimeFigureOut">
               <a:rPr lang="en-US" smtClean="0"/>
-              <a:t>6/21/2023</a:t>
+              <a:t>6/22/2023</a:t>
             </a:fld>
             <a:endParaRPr lang="en-US"/>
           </a:p>
@@ -2921,7 +2921,7 @@
           <a:p>
             <a:fld id="{37A2730A-859E-B540-ADF3-E97069AD1FDB}" type="datetimeFigureOut">
               <a:rPr lang="en-US" smtClean="0"/>
-              <a:t>6/21/2023</a:t>
+              <a:t>6/22/2023</a:t>
             </a:fld>
             <a:endParaRPr lang="en-US"/>
           </a:p>
@@ -4882,21 +4882,21 @@
 </file>
 
 <file path=ppt/webextensions/webextension1.xml><?xml version="1.0" encoding="utf-8"?>
-<we:webextension xmlns:we="http://schemas.microsoft.com/office/webextensions/webextension/2010/11" id="{a4f764c5-07ec-4969-81e9-ed18d84dee7b}">
+<we:webextension xmlns:we="http://schemas.microsoft.com/office/webextensions/webextension/2010/11" id="{f5bfc399-ed70-4be3-94b7-5ce17fc4dd6a}">
   <we:reference id="WA200003233" version="2.0.0.3" store="en-US" storeType="OMEX"/>
   <we:alternateReferences/>
   <we:properties>
     <we:property name="Microsoft.Office.CampaignId" value="&quot;none&quot;"/>
-    <we:property name="reportUrl" value="&quot;/groups/bed404da-61d9-4934-9323-f0fde4cecc71/reports/9866cfc1-bec4-40ed-ae20-10ca05b38419/ReportSection?bookmarkGuid=0583db09-4163-4329-bdb8-18bdc3382101&amp;bookmarkUsage=1&amp;ctid=785e658e-3f29-4e03-9be9-e82863947fb8&amp;fromEntryPoint=export&quot;"/>
+    <we:property name="reportUrl" value="&quot;/groups/bed404da-61d9-4934-9323-f0fde4cecc71/reports/9866cfc1-bec4-40ed-ae20-10ca05b38419/ReportSection?bookmarkGuid=6a515885-2c7c-4540-8e62-d06d3503a309&amp;bookmarkUsage=1&amp;ctid=785e658e-3f29-4e03-9be9-e82863947fb8&amp;fromEntryPoint=export&quot;"/>
     <we:property name="reportState" value="&quot;CONNECTED&quot;"/>
-    <we:property name="reportEmbeddedTime" value="&quot;2023-06-21T17:31:33.272Z&quot;"/>
-    <we:property name="creatorSessionId" value="&quot;18d78476-37ce-4556-ac79-0a192212ddc1&quot;"/>
+    <we:property name="reportEmbeddedTime" value="&quot;2023-06-22T12:17:46.880Z&quot;"/>
+    <we:property name="creatorSessionId" value="&quot;28a79ae7-6a05-4a48-b327-6bd654c9df5b&quot;"/>
     <we:property name="creatorUserId" value="&quot;10032002A72287D8&quot;"/>
     <we:property name="creatorTenantId" value="&quot;785e658e-3f29-4e03-9be9-e82863947fb8&quot;"/>
     <we:property name="reportName" value="&quot;Hospitality&quot;"/>
     <we:property name="isFiltersActionButtonVisible" value="true"/>
-    <we:property name="initialStateBookmark" value="&quot;H4sIAAAAAAAAA+1bWW/bOBD+K4GARXYBZ0FJ1NW3HC22bdIGTtF9WAQBj1GsRpa8OtJ6i/z3HVKSY8eKncuO6qQIUJlDDr8ZzkGOqJ+GjPJRzMaf2BCMN8Zeml4MWXaxZRo9I6nbPn/+eLTb/3j2affoLTanoyJKk9x489MoWHYOxdcoL1msOGDjP6c9g8XxMTtXv0IW59AzRpDlacLi6D+oOiOpyEq46hnwYxSnGVMsTwpWgGJ7id3xN85t/mnjjEwU0SWcgCiq1j6M0qxofveMvHrSkGZpipmecD9NChYlyFi1MeZ5jm+64AqTUy5C4nPVnkfJeVxDvB77ZTxSesgHDP9H+fk35K74XF2hAIFHhAioBRanwhduaDKqxoZRXNTT8fHbH6MMdYMaq3jtykuWCJCGVkAGeV6jPQKWl5nWwtsZwklaZgL6EGpSUkTFGPl8hPHZsBqSGwrNcZaisjWtD5eQlKCbB+n3/QxQvdJ4Q656a8XxWYhyhLOMt357dix9QCPMtbV1AM2+miGOuwJnF/0O3Xarj4CS84Vw9rHpPM0igX5yE9F+GpfD5K6AZDQ8G6QFxHNwhOrwIJ08FYJR/XgWyWfXxgSLjsrzaE6xZWH4GkWXafGF8fhGDMMfmYRsb6zj00GUNaHT6t2AvLKYcHXaxHjs8m06mKffcw1rVVo8rTIQS/Im/1TzZWmsnyoECC/GYBpXtH9LyMY4paZfT/XnLG8cE+UIO2ajXK2QSnfYJEGDRN2sWDA1/XGUJM3cylyXIkc7vwX3nXlpr12z8HWkmJcZW7I0LRSbZvKvLC7V0iZlHKv1R07SIb4QxBJ+wKkbug4j4dIM/kv4fB5HArIZfzeGgHs29SBZwbRE9TQRVPRUajJogX8ahxEqoeKtdYdstw9whEy/J9vKeWsttjpwo+2VurDqwEnAHSk93wQpXMvHHRnrxBreksVe5NI1fqpXjHBXsNCkhIeUh7gX9x17jSsWotBnHI87uAhzQOv2MzwZFWGaDV/WAt5XNdV6BnYgcTWBejZhDmcEuPV6DprHsXV49ODN5F8RmkMmBuNDtR2ZBzWhz5MaIF9ZFlWnbS3AfZxaquO5gl4XCyasjBk5h8Ph1riKeVN4jAMcvXXdoMi1FMYRHs4HD/Gxi1HUgc3stYFV3kg8j3PHsl2XWEBBEtsmXYtsOe51y/w1rt2umCqqCWp5PAw8i1IIROCAbT5uLV+YC7/cUtMUlvaQf//opnhQJwzBZIEpBaZbx/dAiFeD7KpBdqzCt8+u0fSV7g6PWlE9zDRtUwiT+sTDrWBgO14g7FfT7Kxp3qPau344TxkxXYbWaDqMehaBwLZdKhw1ciGnAn4UPP0xz80ywQ+sIAgg8BxCKDXtR3ADygOXsFC4GMc9gs8cHoEtBHQ+1+IuZ7YTeJJb7iOwBTZyE8wlvudI7rkm9x/OzQlASh88ITzfJR5nTARr3BTPOPSU2X0HuNhK0pe1EV6ujPpIj9YovFDY4FPlOISacs1r9tSvhtZSV1hqOiIuc9QgyD2W7Q9YVnTsFHuLwdVLO15dUdDEwGCD51KXSl8QAq6/oIhUX1B4p4kYYIBbpmVy7js4lHtSoFpbrbJip32ouWqAqn2XpUPNt074qudEgMMUh6qkrl+hnbmO5XMOZEcSx9yhPnd3mC3ZjrBsTk1umxYC7xnVehOl0b8HoBZKay6RUXM94VP1emJWh+9v6PUeTt7scxD9DUU32w7EMokc/7SGIPVuRHdsJ29/YEnJsvH2oj7vgGdLOx2pzdHCHrujLIoX9jiBUQFDDtnCXp9FkS7r8ym9XM7oAMTyTrvlOTq47nJaB/GXvbftGYKJAciD69tGlU1HOqHkAqd8L6sUMRwhmLxJGM2vj1FSMTqEsLh/Lrnhviyw/UB5riM426HAKbqva++EwKgvHFvafnib//SMfnQ+KG5J37Xv6Gg2e7fq972YJRd/GCpNbZzY0zGhRfaauqGyT8e6FuEb8oZKPwniLaJr2obKPUlNLXJr2qbKPUlubYJr4oZKPrPVaBF+Qt9Q+ac2US3S19QNlX16c9gifEPeUOmnd70t0jdkAze6j6ubnENSTT5XOrk+s3Xo9PbMB7XtD2U8nhwz9FEDBz2i9rTH8kg0hSd1sT5uSg9z7PICT9PFiV7pE91vCXP9LcA9alobfkJSflIdiqr6RX00eo8Z5FmPRnfyjQeeEWprbTsgIMmo7MIOA84d4UhhOZYQhPmPfI20UVXHxa+4f8nK4x0vg6+++ijVNWAqCTOJw9DSOfPcV8u78wvDX9L45qR6RvsDLsMwtIhtmg4xfTPgASy1v3Us/Ze0YPHW3vTVqdV/C7PyG7pdNMc5Ta/CHB92wZd4XAQuMQOwJQ2kyfDfmqNj20tLycZnerLnjo+PzMwyTcqiK2a4npS8ZDkrs6OS4l/IfLABMzMD4LwTQbEr98qf7bPNJ75PwbBvV+x/9S/D73L/ggOTIqCcCVdQSnBrSrtwZ+YXibhrvw1yvNvvAIwufeC+e9CmkaWR4PZPlZ/6K+E7ZSCPAOPSdigRlDB1v9XXG5+FMkRDjMk3r8Fpdm1lz7Qs8hETcMwSaKm1gfpEWYKsn5dW2HoKS6T0t3iA+kh2UpG7uvofIpG5Pg5EAAA=&quot;"/>
-    <we:property name="bookmark" value="&quot;H4sIAAAAAAAAA+1b62/bNhD/VwIBQzbAGSiRevVbHivWLWmDpOg+DEHAxynWIkueJKf1ivzvO1KSY8eKnZcd1UkRoDKPPP7ueC9S1HdLxcUw4eOPfADWO2svyy4HPL/csq2elc62Meo4PqWecl0CFBR4Hsde2bCMs7Sw3n23Sp5fQPklLkY80Qyx8e+znsWT5Jhf6F8RTwroWUPIiyzlSfwfVJ2RVOYjuO5Z8G2YZDnXLE9LXoJme4Xd8TdCsX+lOCOXZXwFpyDLqvUEhlleNr97VlE9GUizNM3MTLifpSWPU2Ss2zj3fTewPfCkLZiQEQmEbi/i9CKpId6M/TwearUUfY7/o/ziH+Su+VxfowChT6QMmQOOYDKQXmRzpsdGcVLW04nxb9+GOeoGNVbx2lVXPJWgLKOAHIqiRnsEvBjlRgu/zRBOs1Eu4QQiQ0rLuBwjnz9hfD6ohhSWRnOcZ6hsQzuBK0hHYJr72df9HFC9ynpHrntrxfFJytEQZxlv/fTiWE4AjbAw1tYBNPt6hiTpCpxd9Dt0260TBJReLISzj00XWR5L9JPbiPazZDRI7wtIxYPzflZCMgdH6g6P0slzIRjWj+exenFtTLCYID2P5gxbFoavYXyVlZ+5SG7FMPyRK8j3xiY+HcR5Ezqd3i3IK4sJ12dNjMcu/0wH8+xrYWCtSotnVQbiadHkn2q+PEvMU4UA4SUYTJOK9u8I8jFOaeg3U/06yxvHxAXCTviw0Cuk0x02KTAgUTcrFkxPfxynaTO3NtelyNHO78B9b17Ga9csfB0p5mXGljzLSs2mmfwLT0Z6adNRkuj1R07KJYGUxJFBKJgXeS4n0dIM/kP4fJHEEvIZf7cGgDWbflC85EaiepoYKnqmDBmMwN+twxiVUPE2ukO22wc4QmVf023tvLUWWx240fZKXVh3ECQUrlJ+YIOSnhNgRcY7sYZ3ZLFXuXSNn5oVI8KTPLIZERETEdbigUvXuGIRCn0ucKeDizAHtG4/x41SGWX54HUt4ENVU61nSEOFqwnMp4S7ghMQzts+aB7H1uHRo4vJ32M0h1z2x4e6HJkHNaHPkxogX3geV7ttI8BDnFrp7bmGXp8dTFhZM3IOBoOtcRXzpvBYBzh666ZBk2sprCPcnPcf42OXw7gDxeyNgVXeSHxfCNehnkccYKAIpaRrka3AWndUvMW1uxVTRTXJHF9Eoe8wBqEMXaD209bylbnw6z1qmsLSHvIfHt00D+ZGEdg8tJXEdOsGPkj5ZpBdNciOnfDt8xs0J1p3h0etqB5nmtSW0mYB8bEUDKnrh5K+mWZnTfMBp73rh/OcEdPjaI22y5nvEAgp9Zh09ciFnEr4Vors2zw3x4YgdMIwhNB3CWHMpk/gBkyEHuGR9DCO+wSfBTwBWwTofJ4jPMGpG/pKON4TsIUUuUnukcB3lfA9WwSP5+aGoFQAvpR+4BFfcC7DNRbFMw49ZXZfAS630ux1FcLLlVFv6dEapR9JCgHTjkOYrda8Zs/9amgt5wpLTUcmowI1CGqP5/t9npcd28XeYXD10o5XdyhoY2Cg4HvMYyqQhIAXLDhEqu8rvDdEDDAgHNuxhQhcHCp8JVGtrVZZsTM+1Fw1QNW+z7OB4VsnfN1zIsBhhkN1Ujev0M491wmEALKjiGvvsEB4O5wqviMdKpgtqO0g8J5VrTfRGv2rD3qhjOZSFTfXEz5Wrydmdfjhll4f4ORNnYPobym6KTsQyyRy/N0agvS7EdOxnbz9B09HPB9vL+rzHkS+tNORLo4W9tgd5nGysMcpDEsYCMgX9voky2xZn4/Z1XJGByCXd9odXaCDmy5ndRB/3bVtz5Jc9kEd3Fw+qmw6NgmlkDjlB1WliMEQwRRNwmh+/RmnFaNDiMqH55Jb7stDGoTac10p+A4DwdB9PboTAWeBdKmiQXSX//Ssk/iiX96RvmvfMdFs9qrVz3sJTy9/sXSa2jixp2NCi+w1dUNln451LcI35A2VfhLEW0Q3tA2Ve5KaWuQ2tE2Ve5Lc2gQ3xA2VfKbUaBF+Qt9Q+aeKqBbpa+qGyj5dHLYI35A3VPrpqrdF+oZsYaH7tHOTC0iryeeOTm72bB3avb3wRm37j1EynmwzzFYDBz3h7GmPF7FsDp70xfqkOXqYY1eUuJsuT81Kn5p+S5ibbwEecKa14Tsk7SfVpqg6v6i3Rh8wg7zo1uhevvHIPUJtrW0bBCRZlV3QKBTCla6SjutISXjwxNdIG3XquPgV9w958njPy+CrP31U+howU4TbxOVo6YL73pvl3fuF4Q9pfHNSvaD9gVBRFDmE2rZL7MAORQhL7W8dS/85K3mytTd9dWr138Ks/IZuF81xTtOrMMfHXfAlvpChR+wQqGKhsjn+W3N0bHtpqfj43Ez20vHxiZlZZemo7IoZriclL1nOyuyYYvgX8QAoYGbmAEJ0Iih25V75i322+cz3KTj27Yr9r/5l+H3uXwjgSoZMcOlJxgiWpqwLd2Z+kIi79tsgx7snHYDRpQ/cdw/aNLI0Etz9qfJzfyV8rwzkE+BCUZcRyQjX91sDU/gslCEeYEy+fQ3OsGs79sxGZTHkEo55Ci1nbaA/UVag6uf7nbBdX/8PeT68ku1DAAA=&quot;"/>
+    <we:property name="initialStateBookmark" value="&quot;H4sIAAAAAAAAA+1bbW/bNhD+K4aAoRvgDJREvfWbk7RY16QNnKL7MAQBX062FlnyJDmtV+S/70hJjh0rduzEjuukLVCZRx6fO94djyfqhyGjfBiz8Sc2AOOtcZimVwOWXbVMo20kVdvnzx9PO92Pl586p++wOR0WUZrkxtsfRsGyHhRfo3zEYsUBG/++aBssjs9YT/0KWZxD2xhClqcJi6P/oOyMpCIbwU3bgO/DOM2YYnlesAIU22vsjr9xbvN3G2dkooiu4RxEUbZ2YZhmRf27beTlk4Y0S1PM9IRHaVKwKEHGqo0xz3N80wVXmJxyERKfq/Y8SnpxBfF27JfxUOkh7zP8H+Xn/yB3xefmBgUIPCJEQC2wOBW+cEOTUTU2jOKimo6P330fZqgb1FjJqyOvWSJAGloBGeR5hfYUWD7KtBbezRDO01EmoAuhJiVFVIyRz0cYXw7KIbmh0JxlKSpb07pwDckIdHM//XaUAapXGm/JTXurOD4LMRriLOPWL8+OpQtohLm2th1Ac6RmiONdgdNBv0O3bXURUNJbCOcIm3ppFgn0k7uIjtJ4NEgeCkhGg8t+WkA8B0eoDmvp5KkQDKvHy0g+uzYmWHRUnkdzgS0Lw9cwuk6LL4zHd2IY/sgkZIdjHZ+Oo6wOnWb7DuSNxYSbizrGY5d/poN5+i3XsDalxYtyB2JJXu8/5XxZGuunEgHCizGYxiXt3xFkY5xS02+n+n2WN46JcoQds2GuVkhtd9gkQYNE3WxYMDX9WZQk9dzKXJciRzt/LtzaxVZCrePDluFWMWkeJ7ZkaVooNvXkX1k8UkaUjOK4bYh+FMsMEg3nbhdsOokwWyjdVrfiZG86RRz92zpHH0J/eFPOuwYf03NcelLD/pL2MEhMcONf9a9tSIf4QhBL+AGnbug6jIRL85ifIvLlcSQgm4l6xgAwc1UPkhVMS1RNE0FJT6Umgxa4eXmOcYRMvyVqZW4qLTaGsanl2VwgUx04CbgjpeebIIVr+ZiXsp1Yw3v28he5dHUM0StGuCtYaFLCQ8pDPJH4jr3FFQtR6EuOhz5chDmgVfslng+LMM0GL2sBV1VNuZ6BHUhcTaCeTZjDGQFuvZ4G53G0Tk7XTqn/iNAcMtEfn6ikbB7UhD5PqoF8ZVlU1hy0AKs4tVRFCgW9KplMWBkzcg4Gg9a4jHlTeIxjHN26bVDkSgrjNE2K/jo+djWMHpjSWxtM6W8NrPRG4nmcO5btusQCCpLYNtm1yJZjxj/KX+Pa/Yopo5qglsfDwLMohUAEDtjm49byhbnwyy24TWFpDvmrRzfFgzphCCYLTClwu3V8D4R4NchdNcgdq3MesVs0XaW7k9NGVOuZpm0KYVKfeJgKBrbjBcJ+Nc2dNc0Vat7bh/OUEdNlaI2mw6hnEQhs26XCUSMXcirge8HT7/PcLBP8wAqCAALPIYRS034EN6A8cAkLhYtx3CP4zOER2EJA53Mt7nJmO4EnueU+AltgIzfBXOJ7juSea3J/fW5OAFL64Anh+S7xOGMi2GJSPOPQU2b3DeCqlaQvKxFerozqSI/WKLxQ2OBT5TiEmnLLa/bUL8i2UldYajoiHuWoQZCHLDvqs6zYsVPsPQZXLe14c0VBEwODDZ5LXSp9QQi4/oIiUnVN470mYoABbpmWybnv4FDuSYFqbbTKkp32ofrCBar2fZYONN9qw1c9JwKcpDhUber6ReKl61g+50AOJHHMA+pz94DZkh0Iy+bU5LZpIfC2Ua43URr9qw9qobTmEhnVlzQ+la9OZnX44Y5eV3DyOs9B9HcUXacdiGUSOZpfm6j3NrrjPW9n/mTJiGXjN4v6vAeeLe10qpKjhT06wyyKF/Y4h2EBAw7Zwl6fRZEu6/MpvV7O6BjE8k6dUQ8dXHe5qIL4y85t24Zgog/y+PbOVV69x9MphcApP8hyixgMEUxebxj1r49RUjI6gbBYfS+5474ssP1Aea4jODugwCm6r2sfhMCoLxxb2n54n/+0jW7U6xf3bN+V7+hoNnvD7NfDmCVXvxlqm9o7sadjQoPsFXVPZZ+OdQ3C1+Q9lX4SxBtE17Q9lXuyNTXIrWn7Kvdkc2sSXBP3VPKZVKNB+Al9T+WfSqIapK+oeyr7dHLYIHxN3lPpp7PeBulrsqFvVT2mbtKDpJx8rnRye2bbodPbMx/U3vw5iseTY4Y+auCgR9SeDlkeibrwpD4viOvSwxy7vMDTdHGuV/pc91vCXH8RsUJNa89PSMpPykNRWb+ojkYfcAd51qPRg3xjzTNCZa1NBwQkGaVd2GHAuSMcKSzHEoIw/5Gvkfaq6rj4FfdPWXl84JX4zVcfpboGTCVhJnEYWjpnnvtqeQ9+YfhTGt+cVM9of8BlGIYWsU3TIaZvBjyApfa3jaX/khYsbh1OX53a/BdBG7+hu4vmOKfpTZjjehd8icdF4BIzAFvSQJoM/2w5Oja9tJRsfKkne+74+MidWabJqNgVM9zOlrxkOUuzo5Liv5D5YAPuzAyA850Iirtyr/zZPl594vsUDPuuYv9zX2k+tQTbNPu7Vy84MCkCyplwBaUEs1K6C9dlfpJgu/WLIGed7g7A2KUv/DvHTRpZGgTu/1b7qT+TftDm4xFgXNoOJYISpq62+jrnWShDNMBwPH8Dzgw8QjzTxcOli7uZS4RY+3aeZthUP01HRT5kAs5YAg1FO1BffEuQ1fPSUl1boYnUaiweoL6onZT2bm7+B5D6D/BdRQAA&quot;"/>
+    <we:property name="bookmark" value="&quot;H4sIAAAAAAAAA+1bbW/jOA7+K4GBw9wB6UKy5bf51pcd3Oy2s0U7mPtwKAq90Im3jp21nc7kFv3vR8l2mjRu0qRNmknbFmgiytRDiqQoSv7bUnExTPj4Cx+A9dE6yrKbAc9vOtTqWulsG6V2pH9d4to2gdAh1MZe2bCMs7SwPv5tlTzvQfktLkY80Qyx8b9XXYsnyTnv6W8RTwroWkPIiyzlSfw/qDojqcxHcNe14McwyXKuWV6WvATN9ha743eEQn9xcEQuy/gWLkGWVesFDLO8bL53raL6ZCDN0jQzM+BxlpY8TpGxbuPc992AeuBJKpiQEQmEbi/itJfUEO+f/ToearUUfY7/UX7xJ3LXfO7uUIDQJ1KGzAZbMBlIL6Kc6WejOCnr4cT41x/DHHWDGqt4HapbnkpQllFADkVRoz0DXoxyo4VfZwiX2SiXcAGRIaVlXI6Rz+8wvh5UjxSWRnOeZ6hsQ7uAW0hHYJr72ffjHFC9yvpI7rpbxfGHlKMhjjLu/OPVsVwAGmFhrG0H0BzrEZJkV+Acot+h23YuEFDaWwjnGJt6WR5L9JOHiI6zZDRInwpIxYPrflZCMgdH6g5r6eSlEAzrj9exenVtTLCYID2P5gpbFoavYXyblV+5SB7EMPySK8iPxiY+ncR5Ezpp9wHkjcWEu6smxmOXP6eDefa9MLA2pcWragXiadGsP9V4eZaYTxUChJdgME0q2l8jyMc4pKHfD/XLLG98Ji4QdsKHhZ4hvdxhkwIDEnWzYcH08OdxmjZja3Ndihzt/LVwGxdbCbWJD1uGW8ekeZzYkmdZqdk0g3/jyUgbUTpKkq4l+3GickgNnIddsOk0xmyhclvTioN9OCyT+K/OJfoQ+sOHatw1+FDf9dhpA/tr1sMgMcGNv/qvaymXBFISWwahYF7kuZxES/OYnyLyFUksIZ+JetYAMHPVHxQvuZGoHiaGip4pQwYjcPv0nOATKvue6pm5q7XYGsampmdzgUx3ECQUrlJ+QEFJzw4wL+U7MYePrOVvcuqaGGJmjAhP8ogyIiImItyRBK6zxRmLUOhrgfs9nIQ5oHX7NW4XyyjLB29rAldVTTWfoRMqnE1gvkO4KzgBYb/vBudxdE7P1k6p/x2jOeSyPz7VSdk8qAl9ntQA+cbzuKo5GAFWcWqlixQael1BmbCyZuQcDAadcRXzpvBYJ/h0575Bk2sprLMsLfvr+NjNMH5iSm9vMKW/N7DKG4nvC+HajucRGxgo4jhk1yJbgRn/qHiPa48rpopqktm+iELfZgxCGbrg0OfN5Rtz4bdbcJvC0h7yV49umgdzowgoD6mSuNy6gQ9SvhvkrhrkjtU5j/k9mgutu9OzVlTrmaZDpaQsID6mgqHj+qF03k1zZ01zhZr39uG8ZMT0OFojdTnzzVGe4zHp6icXcirhRymyH/PcbApBaIdhCKHvEsIYdZ7BDZgIPcIj6WEc9wl+FvAMbBGg83m28AR33NBXwvaegS10kJvkHgl8VwnfoyJYn5sbglIB+FL6gUd8wbkMt5gUzzj0lNl9B7jppNnbSoSXK6Pe0qM1Sj+SDgRMOw5hVG15zl76gGwrdYWlpiOTUYEaBHXE8+M+z8sd28U+YnD11I43VxSkGBgc8D3mMRVIQsALFhSR6lsbnwwRAwwIm9pUiMDFR4WvJKq11SordsaHmgsXqNpPeTYwfOsFX/ecCHCa4aN6UTcHideeawdCADlQxKUHLBDeAXcUP5C2IxgVDrUDfWOkmm+iNfqfPuiJMppLVdxc0vhSHZ3M6vDzA72u4ORNnoPoHyi6STsQyyRytB+b6HMb0/GR05nfeDri+fjDoj6fQORLO53p5Ghhj8NhHicLe1zCsISBgHxhrz9kmS3r8yW7Xc7oBOTyToejHjq46XJVB/G3ndt2LcllH9TJ/RWsoj7HMymFxCE/q2qJGAwRTNEsGM233+O0YnQKUbn6WvLAfXnoBKH2XFcKfsBAMHRfzzmIgLNAuo5ygugx/+laF3GvXz6yfNe+Y6LZ7IWzfx4lPL35l6WXqb0TezomtMheU/dU9ulY1yJ8Q95T6SdBvEV0Q9tTuSdLU4vchravck8WtzbBDXFPJZ9JNVqEn9D3VP6pJKpF+pq6p7JPJ4ctwjfkPZV+Outtkb4hW+ZW1XPqJj1Iq8HnSif3e7Yd2r298kbtw2+jZDzZZpitBj70jNrTES9i2RSe9OsFSVN6mGNXlLibLi/NTF+afkuYmzciVqhp7fkOSftJtSmq6hf11ugzriCvujV6km+suUeorbVtg4Akq7ILJwqFcKWrpO3aUhIePPMYaa+qjouPuH/KyuMTr8Rvvvqo9DVgpginxOVo6YL73rvlPfnA8Kc0vjmpXtH+QKgoimziUOoSGtBQhLDU/rYx9V+zkiedo+mrU5t/I2jjN3R30RznNL0Jc1zvgi/xhQw9QkNwFAsV5fiz5ejYdmip+PjaDPba8fGZK7PK0lG5K2a4nSV5yXRWZscUw7+IB+AArswcQIidCIq7cq/81V5efeH7FBz7rmL/c29pvrQE2zT7h1cvBHAlQya49CRjBLNStgvXZX6SYLv1iyDnhxc7AGOX3vA/PGnTyNIg8Pi72i/9mvSTFh+fABfKcRmRjHB9tTUwOc9CGeIBhuP5G3A09AnxqYebSw9XM49IufbtPMOwrX6ajcpiyCWc8xRainag3/hWoOrPTyvV3d39HwBZInQ8RQAA&quot;"/>
     <we:property name="embedUrl" value="&quot;/reportEmbed?reportId=9866cfc1-bec4-40ed-ae20-10ca05b38419&amp;groupId=bed404da-61d9-4934-9323-f0fde4cecc71&amp;w=2&amp;config=eyJjbHVzdGVyVXJsIjoiaHR0cHM6Ly9XQUJJLUlORElBLUNFTlRSQUwtQS1QUklNQVJZLXJlZGlyZWN0LmFuYWx5c2lzLndpbmRvd3MubmV0IiwiZW1iZWRGZWF0dXJlcyI6eyJtb2Rlcm5FbWJlZCI6dHJ1ZSwidXNhZ2VNZXRyaWNzVk5leHQiOnRydWV9fQ%3D%3D&amp;disableSensitivityBanner=true&quot;"/>
     <we:property name="datasetId" value="&quot;98ff7f19-9928-4f5a-9ec0-d9171b0fb33d&quot;"/>
     <we:property name="pageName" value="&quot;ReportSection&quot;"/>

--- a/AtliQ Hospitality.pptx
+++ b/AtliQ Hospitality.pptx
@@ -4882,21 +4882,21 @@
 </file>
 
 <file path=ppt/webextensions/webextension1.xml><?xml version="1.0" encoding="utf-8"?>
-<we:webextension xmlns:we="http://schemas.microsoft.com/office/webextensions/webextension/2010/11" id="{f5bfc399-ed70-4be3-94b7-5ce17fc4dd6a}">
+<we:webextension xmlns:we="http://schemas.microsoft.com/office/webextensions/webextension/2010/11" id="{ee67cd08-27e6-4e88-a9ef-f730f4a707a8}">
   <we:reference id="WA200003233" version="2.0.0.3" store="en-US" storeType="OMEX"/>
   <we:alternateReferences/>
   <we:properties>
     <we:property name="Microsoft.Office.CampaignId" value="&quot;none&quot;"/>
-    <we:property name="reportUrl" value="&quot;/groups/bed404da-61d9-4934-9323-f0fde4cecc71/reports/9866cfc1-bec4-40ed-ae20-10ca05b38419/ReportSection?bookmarkGuid=6a515885-2c7c-4540-8e62-d06d3503a309&amp;bookmarkUsage=1&amp;ctid=785e658e-3f29-4e03-9be9-e82863947fb8&amp;fromEntryPoint=export&quot;"/>
+    <we:property name="reportUrl" value="&quot;/groups/bed404da-61d9-4934-9323-f0fde4cecc71/reports/9866cfc1-bec4-40ed-ae20-10ca05b38419/ReportSection?bookmarkGuid=330dbe52-d084-46bc-9d5c-1424969d5924&amp;bookmarkUsage=1&amp;ctid=785e658e-3f29-4e03-9be9-e82863947fb8&amp;fromEntryPoint=export&quot;"/>
     <we:property name="reportState" value="&quot;CONNECTED&quot;"/>
-    <we:property name="reportEmbeddedTime" value="&quot;2023-06-22T12:17:46.880Z&quot;"/>
-    <we:property name="creatorSessionId" value="&quot;28a79ae7-6a05-4a48-b327-6bd654c9df5b&quot;"/>
+    <we:property name="reportEmbeddedTime" value="&quot;2023-06-22T13:28:35.315Z&quot;"/>
+    <we:property name="creatorSessionId" value="&quot;c1999bc0-5d7d-4c3b-98de-59f288842ae3&quot;"/>
     <we:property name="creatorUserId" value="&quot;10032002A72287D8&quot;"/>
     <we:property name="creatorTenantId" value="&quot;785e658e-3f29-4e03-9be9-e82863947fb8&quot;"/>
     <we:property name="reportName" value="&quot;Hospitality&quot;"/>
     <we:property name="isFiltersActionButtonVisible" value="true"/>
-    <we:property name="initialStateBookmark" value="&quot;H4sIAAAAAAAAA+1bbW/bNhD+K4aAoRvgDJREvfWbk7RY16QNnKL7MAQBX062FlnyJDmtV+S/70hJjh0rduzEjuukLVCZRx6fO94djyfqhyGjfBiz8Sc2AOOtcZimVwOWXbVMo20kVdvnzx9PO92Pl586p++wOR0WUZrkxtsfRsGyHhRfo3zEYsUBG/++aBssjs9YT/0KWZxD2xhClqcJi6P/oOyMpCIbwU3bgO/DOM2YYnlesAIU22vsjr9xbvN3G2dkooiu4RxEUbZ2YZhmRf27beTlk4Y0S1PM9IRHaVKwKEHGqo0xz3N80wVXmJxyERKfq/Y8SnpxBfF27JfxUOkh7zP8H+Xn/yB3xefmBgUIPCJEQC2wOBW+cEOTUTU2jOKimo6P330fZqgb1FjJqyOvWSJAGloBGeR5hfYUWD7KtBbezRDO01EmoAuhJiVFVIyRz0cYXw7KIbmh0JxlKSpb07pwDckIdHM//XaUAapXGm/JTXurOD4LMRriLOPWL8+OpQtohLm2th1Ac6RmiONdgdNBv0O3bXURUNJbCOcIm3ppFgn0k7uIjtJ4NEgeCkhGg8t+WkA8B0eoDmvp5KkQDKvHy0g+uzYmWHRUnkdzgS0Lw9cwuk6LL4zHd2IY/sgkZIdjHZ+Oo6wOnWb7DuSNxYSbizrGY5d/poN5+i3XsDalxYtyB2JJXu8/5XxZGuunEgHCizGYxiXt3xFkY5xS02+n+n2WN46JcoQds2GuVkhtd9gkQYNE3WxYMDX9WZQk9dzKXJciRzt/LtzaxVZCrePDluFWMWkeJ7ZkaVooNvXkX1k8UkaUjOK4bYh+FMsMEg3nbhdsOokwWyjdVrfiZG86RRz92zpHH0J/eFPOuwYf03NcelLD/pL2MEhMcONf9a9tSIf4QhBL+AGnbug6jIRL85ifIvLlcSQgm4l6xgAwc1UPkhVMS1RNE0FJT6Umgxa4eXmOcYRMvyVqZW4qLTaGsanl2VwgUx04CbgjpeebIIVr+ZiXsp1Yw3v28he5dHUM0StGuCtYaFLCQ8pDPJH4jr3FFQtR6EuOhz5chDmgVfslng+LMM0GL2sBV1VNuZ6BHUhcTaCeTZjDGQFuvZ4G53G0Tk7XTqn/iNAcMtEfn6ikbB7UhD5PqoF8ZVlU1hy0AKs4tVRFCgW9KplMWBkzcg4Gg9a4jHlTeIxjHN26bVDkSgrjNE2K/jo+djWMHpjSWxtM6W8NrPRG4nmcO5btusQCCpLYNtm1yJZjxj/KX+Pa/Yopo5qglsfDwLMohUAEDtjm49byhbnwyy24TWFpDvmrRzfFgzphCCYLTClwu3V8D4R4NchdNcgdq3MesVs0XaW7k9NGVOuZpm0KYVKfeJgKBrbjBcJ+Nc2dNc0Vat7bh/OUEdNlaI2mw6hnEQhs26XCUSMXcirge8HT7/PcLBP8wAqCAALPIYRS034EN6A8cAkLhYtx3CP4zOER2EJA53Mt7nJmO4EnueU+AltgIzfBXOJ7juSea3J/fW5OAFL64Anh+S7xOGMi2GJSPOPQU2b3DeCqlaQvKxFerozqSI/WKLxQ2OBT5TiEmnLLa/bUL8i2UldYajoiHuWoQZCHLDvqs6zYsVPsPQZXLe14c0VBEwODDZ5LXSp9QQi4/oIiUnVN470mYoABbpmWybnv4FDuSYFqbbTKkp32ofrCBar2fZYONN9qw1c9JwKcpDhUber6ReKl61g+50AOJHHMA+pz94DZkh0Iy+bU5LZpIfC2Ua43URr9qw9qobTmEhnVlzQ+la9OZnX44Y5eV3DyOs9B9HcUXacdiGUSOZpfm6j3NrrjPW9n/mTJiGXjN4v6vAeeLe10qpKjhT06wyyKF/Y4h2EBAw7Zwl6fRZEu6/MpvV7O6BjE8k6dUQ8dXHe5qIL4y85t24Zgog/y+PbOVV69x9MphcApP8hyixgMEUxebxj1r49RUjI6gbBYfS+5474ssP1Aea4jODugwCm6r2sfhMCoLxxb2n54n/+0jW7U6xf3bN+V7+hoNnvD7NfDmCVXvxlqm9o7sadjQoPsFXVPZZ+OdQ3C1+Q9lX4SxBtE17Q9lXuyNTXIrWn7Kvdkc2sSXBP3VPKZVKNB+Al9T+WfSqIapK+oeyr7dHLYIHxN3lPpp7PeBulrsqFvVT2mbtKDpJx8rnRye2bbodPbMx/U3vw5iseTY4Y+auCgR9SeDlkeibrwpD4viOvSwxy7vMDTdHGuV/pc91vCXH8RsUJNa89PSMpPykNRWb+ojkYfcAd51qPRg3xjzTNCZa1NBwQkGaVd2GHAuSMcKSzHEoIw/5Gvkfaq6rj4FfdPWXl84JX4zVcfpboGTCVhJnEYWjpnnvtqeQ9+YfhTGt+cVM9of8BlGIYWsU3TIaZvBjyApfa3jaX/khYsbh1OX53a/BdBG7+hu4vmOKfpTZjjehd8icdF4BIzAFvSQJoM/2w5Oja9tJRsfKkne+74+MidWabJqNgVM9zOlrxkOUuzo5Liv5D5YAPuzAyA850Iirtyr/zZPl594vsUDPuuYv9zX2k+tQTbNPu7Vy84MCkCyplwBaUEs1K6C9dlfpJgu/WLIGed7g7A2KUv/DvHTRpZGgTu/1b7qT+TftDm4xFgXNoOJYISpq62+jrnWShDNMBwPH8Dzgw8QjzTxcOli7uZS4RY+3aeZthUP01HRT5kAs5YAg1FO1BffEuQ1fPSUl1boYnUaiweoL6onZT2bm7+B5D6D/BdRQAA&quot;"/>
-    <we:property name="bookmark" value="&quot;H4sIAAAAAAAAA+1bbW/jOA7+K4GBw9wB6UKy5bf51pcd3Oy2s0U7mPtwKAq90Im3jp21nc7kFv3vR8l2mjRu0qRNmknbFmgiytRDiqQoSv7bUnExTPj4Cx+A9dE6yrKbAc9vOtTqWulsG6V2pH9d4to2gdAh1MZe2bCMs7SwPv5tlTzvQfktLkY80Qyx8b9XXYsnyTnv6W8RTwroWkPIiyzlSfw/qDojqcxHcNe14McwyXKuWV6WvATN9ha743eEQn9xcEQuy/gWLkGWVesFDLO8bL53raL6ZCDN0jQzM+BxlpY8TpGxbuPc992AeuBJKpiQEQmEbi/itJfUEO+f/ToearUUfY7/UX7xJ3LXfO7uUIDQJ1KGzAZbMBlIL6Kc6WejOCnr4cT41x/DHHWDGqt4HapbnkpQllFADkVRoz0DXoxyo4VfZwiX2SiXcAGRIaVlXI6Rz+8wvh5UjxSWRnOeZ6hsQ7uAW0hHYJr72ffjHFC9yvpI7rpbxfGHlKMhjjLu/OPVsVwAGmFhrG0H0BzrEZJkV+Acot+h23YuEFDaWwjnGJt6WR5L9JOHiI6zZDRInwpIxYPrflZCMgdH6g5r6eSlEAzrj9exenVtTLCYID2P5gpbFoavYXyblV+5SB7EMPySK8iPxiY+ncR5Ezpp9wHkjcWEu6smxmOXP6eDefa9MLA2pcWragXiadGsP9V4eZaYTxUChJdgME0q2l8jyMc4pKHfD/XLLG98Ji4QdsKHhZ4hvdxhkwIDEnWzYcH08OdxmjZja3Ndihzt/LVwGxdbCbWJD1uGW8ekeZzYkmdZqdk0g3/jyUgbUTpKkq4l+3GickgNnIddsOk0xmyhclvTioN9OCyT+K/OJfoQ+sOHatw1+FDf9dhpA/tr1sMgMcGNv/qvaymXBFISWwahYF7kuZxES/OYnyLyFUksIZ+JetYAMHPVHxQvuZGoHiaGip4pQwYjcPv0nOATKvue6pm5q7XYGsampmdzgUx3ECQUrlJ+QEFJzw4wL+U7MYePrOVvcuqaGGJmjAhP8ogyIiImItyRBK6zxRmLUOhrgfs9nIQ5oHX7NW4XyyjLB29rAldVTTWfoRMqnE1gvkO4KzgBYb/vBudxdE7P1k6p/x2jOeSyPz7VSdk8qAl9ntQA+cbzuKo5GAFWcWqlixQael1BmbCyZuQcDAadcRXzpvBYJ/h0575Bk2sprLMsLfvr+NjNMH5iSm9vMKW/N7DKG4nvC+HajucRGxgo4jhk1yJbgRn/qHiPa48rpopqktm+iELfZgxCGbrg0OfN5Rtz4bdbcJvC0h7yV49umgdzowgoD6mSuNy6gQ9SvhvkrhrkjtU5j/k9mgutu9OzVlTrmaZDpaQsID6mgqHj+qF03k1zZ01zhZr39uG8ZMT0OFojdTnzzVGe4zHp6icXcirhRymyH/PcbApBaIdhCKHvEsIYdZ7BDZgIPcIj6WEc9wl+FvAMbBGg83m28AR33NBXwvaegS10kJvkHgl8VwnfoyJYn5sbglIB+FL6gUd8wbkMt5gUzzj0lNl9B7jppNnbSoSXK6Pe0qM1Sj+SDgRMOw5hVG15zl76gGwrdYWlpiOTUYEaBHXE8+M+z8sd28U+YnD11I43VxSkGBgc8D3mMRVIQsALFhSR6lsbnwwRAwwIm9pUiMDFR4WvJKq11SordsaHmgsXqNpPeTYwfOsFX/ecCHCa4aN6UTcHideeawdCADlQxKUHLBDeAXcUP5C2IxgVDrUDfWOkmm+iNfqfPuiJMppLVdxc0vhSHZ3M6vDzA72u4ORNnoPoHyi6STsQyyRytB+b6HMb0/GR05nfeDri+fjDoj6fQORLO53p5Ghhj8NhHicLe1zCsISBgHxhrz9kmS3r8yW7Xc7oBOTyToejHjq46XJVB/G3ndt2LcllH9TJ/RWsoj7HMymFxCE/q2qJGAwRTNEsGM233+O0YnQKUbn6WvLAfXnoBKH2XFcKfsBAMHRfzzmIgLNAuo5ygugx/+laF3GvXz6yfNe+Y6LZ7IWzfx4lPL35l6WXqb0TezomtMheU/dU9ulY1yJ8Q95T6SdBvEV0Q9tTuSdLU4vchravck8WtzbBDXFPJZ9JNVqEn9D3VP6pJKpF+pq6p7JPJ4ctwjfkPZV+Outtkb4hW+ZW1XPqJj1Iq8HnSif3e7Yd2r298kbtw2+jZDzZZpitBj70jNrTES9i2RSe9OsFSVN6mGNXlLibLi/NTF+afkuYmzciVqhp7fkOSftJtSmq6hf11ugzriCvujV6km+suUeorbVtg4Akq7ILJwqFcKWrpO3aUhIePPMYaa+qjouPuH/KyuMTr8Rvvvqo9DVgpginxOVo6YL73rvlPfnA8Kc0vjmpXtH+QKgoimziUOoSGtBQhLDU/rYx9V+zkiedo+mrU5t/I2jjN3R30RznNL0Jc1zvgi/xhQw9QkNwFAsV5fiz5ejYdmip+PjaDPba8fGZK7PK0lG5K2a4nSV5yXRWZscUw7+IB+AArswcQIidCIq7cq/81V5efeH7FBz7rmL/c29pvrQE2zT7h1cvBHAlQya49CRjBLNStgvXZX6SYLv1iyDnhxc7AGOX3vA/PGnTyNIg8Pi72i/9mvSTFh+fABfKcRmRjHB9tTUwOc9CGeIBhuP5G3A09AnxqYebSw9XM49IufbtPMOwrX6ajcpiyCWc8xRainag3/hWoOrPTyvV3d39HwBZInQ8RQAA&quot;"/>
+    <we:property name="initialStateBookmark" value="&quot;H4sIAAAAAAAAA+1cbU/byhL+K5Glq94rhaNde/3WbwFa3Z5Ci6Dq+XCEon0ZEx8cO8d2aHOP+O93dm2HQEwCgYQ0QJFq76xnn5mdmZ0dr/nHUnExSvjkCx+C9d7az7LLIc8vO9TqWmnd9vXr5+Pe6ef+l97xB2zORmWcpYX1/h+r5PkFlN/jYswTzQEb/zzvWjxJTviFvot4UkDXGkFeZClP4v9B1RlJZT6G664FP0dJlnPN8qzkJWi2V9gd73Fs+puDI3JZxldwBrKsWk9hlOVlc9+1iurKQLpN08zMgAdZWvI4Rca6jXPfdwPqgSepYEJGJBC6vYjTi6SGePPst8lI66EYcPwf5Rd/IXfN5/oaBQh9ImXIbLAFk4H0IsqZfjaKk7IeTkw+/BzlqBvUWMWrp654KkFZRgE5FEWN9hh4Mc6NFj7cIpxl41zCKUSGlJZxOUE+n2HSH1aPFJZGc5JnqGxDO4UrSMdgmgfZj4McUL3Kek+uuxvF8VXK8QhHmXT+9eJYTgGNsDDWtgVoDvQISbItcHrod+i2nVMElF4shHOATRdZHkv0k7uIDrJkPEwfCkjFw/4gKyGZgyN1h5V08lwIRvVlP1Yvro0pFhOV59GcY8vC8DWKr7LyGxfJnRiGN7mCfH9i4tNhnDehk3bvQF5bTLg+b2I8dvlrNphnPwoDa11aPK9WIJ4WzfpTjZdnibmqECC8BINpUtH+HkM+wSEN/Wao327zxmfiAmEnfFToGdLLHTYpMCBRN2sWTA9/EqdpM7Y216XI0c5fCrdxsUehNvFhw3DrmDSPE1vyLCs1m2bw7zwZayNKx0nSteQgTlQOqYFztws2HcWYLVRua1pxsHe9Mon/7pyhD6E/vKvGXYEP9V2PHTWwv2UXGCSmuPGf/u1ayiWBlMSWQSiYF3kuJ9HSPOaXiHxFEkvIb0U9awiYueoLxUtuJKqHiaGiZ8qQwQjcPj2H+ITKfqR6Zq5rLbaGsZnpWV8g0x0ECYWrlB9QUNKzA8xL+VbM4T1r+aucuiaGmBkjwpM8ooyIiIkIdySB62xwxiIUui9w04eTMAe0bu/j/rCMsnz4uibwsaqp5jN0QoWzCcx3CHcFJyDst93gPI7O0fHKKfV/YzSHXA4mRzopmwc1pc+TGiDfeR5XNQcjwGOcWukihYZel0ymrKxbcg6Hw86kinkzeKxDfLpz06DJtRTWcZaWg1V87HIUPzClt9eY0t8YWOWNxPeFcG3H84gNDBRxHLJtka3AjH9cvMW1+xVTRTXJbF9EoW8zBqEMXXDo0+bylbnw6y24zWBpD/mPj26aB3OjCCgPqZK43LqBD1K+GeS2GuSW1TkP+A2aU627o+NWVKuZpkOlpCwgPqaCoeP6oXTeTHNrTfMRNe/Nw3nOiOlxtEbqcubbBELH8Zh09ZMLOZXwsxTZz3luNoUgtMMwhNB3CWGMOk/gBkyEHuGR9DCO+wSvBTwBWwTofJ4tPMEdN/SVsL0nYAsd5Ca5RwLfVcL3qAhW5+aGoFQAvpR+4BFfcC7DDSbFtxx6xux+AFx20ux1JcLLlVFv6dEapR9JBwKmHYcwqjY8Z8/9gmwjdYWlpiOTcYEaBLXP84MBz8st28XeY3D11E7WVxSkGBgc8D3mMRVIQsALFhSR6mMaHw0RAwwIm9pUiMDFR4WvJKq11SordsaHmgMXqNqPeTY0fOsFX/ecCnCU4aN6UTcvEvueawdCANlTxKV7LBDeHncU35O2IxgVDrUReNeq5ptojf4xAD1RRnOpiptDGl+qVye3dfjpjl4f4eRNnoPo7yi6STsQyzRytL820e9tTMd73s78ztMxzyfvFvX5CCJf2ulYJ0cLe/RGeZws7HEGoxKGAvKFvb7KMlvW50t2tZzRIcjlnXrjC3Rw0+W8DuKvO7ftWpLLAajDmzNXRf0ez6QUEof8pKolYjhCMEWzYDR3n+O0YnQEUfn4teSO+/LQCULtua4UfI+BYOi+nrMXAWeBdB3lBNF9/tO1TuOLQXnP8l37jolmt0+Y/Xs/4enlfyy9TO2c2LMxoUX2mrqjss/GuhbhG/KOSj8N4i2iG9qOyj1dmlrkNrRdlXu6uLUJbog7KvmtVKNF+Cl9R+WfSaJapK+pOyr7bHLYInxD3lHpZ7PeFukbsmVOVT2lbnIBaTX4XOnkZs+2Rbu3F96ovft9nEym2wyz1cCHnlB72udFLJvCk/68IGlKD3PsihJ30+WZmekz028Jc/NFxCNqWju+Q9J+Um2KqvpFvTX6hCvIi26NHuQbK+4Ramtt2yAgyarswolCIVzpKmm7tpSEB098jbRTVcfFr7h/ycrjA4/Er7/6qPQxYKYIp8TlaOmC+96b5T34heEvaXxzUr2g/YFQURTZxKHUJTSgoQhhqf1tYuq/ZSVPOvuzR6fW/0XQ2k/obqM5zml6Hea42gFf4gsZeoSG4CgWKsrxZ8PRse2lpeKTvhnspePjE1dmlaXjclvMcDNL8pLprMyOKYa/EQ/AAVyZOYAQWxEUt+Vc+Yt9vPrM5yk49n2M/c99pfncEmzS7O8evRDAlQyZ4NKTjBHMStk2HJf5RYLtxg+CnPROtwDGNn3h3zts08jSIHD/t9rP/Zn0gxYfnwAXynEZkYxwfbQ1MDnPQhniIYbj+RNwNPQJ8amHm0sPVzOPSPmE03nUIZIyGSFPGmCsID5b/vnctiyLzxuo8iwbzsHQjX2Z8GKlj1y2cWuw/gNayxVZnWa5bq/dZ+OyGHEJJzyFloIx6L82oEDV10vLxF09JbGOBIsf0F9zT8vK19f/B1LtIrrZRwAA&quot;"/>
+    <we:property name="bookmark" value="&quot;H4sIAAAAAAAAA+1cbU/jSBL+K8jSae6ksOq222/zjZcd3ezCLILR3IcTQv1SJl4cO2s7zORW+e9X3bZDQkxCgARPgEEau6td/VR1VXV1uc3floqLYcLHX/gArI/WYZbdDHh+s0etnpXOt6mIhY4KREgY84hrBx7VvbJhGWdpYX382yp5fg3lt7gY8UQzxMb/XvYsniRn/FrfRTwpoGcNIS+ylCfx/6DqjKQyH8GkZ8GPYZLlXLO8KHkJmu0tdsd7hEJ/cXBELsv4Fi5AllXrOQyzvGzue1ZRXRlI8zTNzAx4lKUlj1NkrNs49303oB54kgomZEQCoduLOL1Oaoh3z34dD7Vaij7H/1F+8Sdy13wmExQg9ImUIbPBFkwG0osoZ/rZKE7Kejgx/vXHMEfdoMYqXgfqlqcSlGUUkENR1GhPgRej3Gjh1znCRTbKJZxDZEhpGZdj5PM7jK8G1SOFpdGc5Rkq29DO4RbSEZjmfvb9KAdUr7I+kklvqzj+kHI0xFHGe/94dSzngEZYGGvrAJojPUKSdAXOAfoduu3eOQJKr5fCOcKm6yyPJfrJfURHWTIapI8FpOLBVT8rIVmAI3WHJ+nkpRAM68urWL26NqZYTJBeRHOJLUvD1zC+zcqvXCT3Yhje5Aryw7GJT8dx3oRO2rsHeWMxYXLZxHjs8udsMM++FwbWprR4Wa1APC2a9acaL88Sc1UhQHgJBtOkov01gnyMQxr63VC/zPPGZ+ICYSd8WOgZ0ssdNikwIFE3GxZMD38Wp2kztjbXlcjRzl8Lt3GxtVCb+LBluHVMWsSJLXmWlZpNM/g3noy0EaWjJOlZsh8nKofUwLnfBZtOYswWKrc1rTjYh4Myif/au0AfQn/4UI37BD7Udz120sD+ml1jkJjixn/6t2cplwRSElsGoWBe5LmcRCvzmJ8i8hVJLCGfi3rWADBz1ReKl9xIVA8TQ0XPlCGDEbh9eo7xCZV9T/XMTGottoaxmenZXCDTHQQJhauUH1BQ0rMDzEt5J+bwgbX8TU5dE0PMjBHhSR5RRkTERIQ7ksB1tjhjEQp9JXC/h5OwALRuv8LtYhll+eBtTeC6qqnmM3RChbMJzHcIdwUnIOz33eAijr2T0yen1P+O0Rxy2R+f6KRsEdSUvkhqgHzjeVzVHIwA6zi10kUKDb2uoExZWXNyDgaDvXEV82bwWMf49N5dgybXUlinWVr2n+JjN8P4kSm9vcGU/s7AKm8kvi+EazueR2xgoIjjkK5FtgIz/lHxHtceVkwV1SSzfRGFvs0YhDJ0waHPm8s35sJvt+A2g6U95K8f3TQP5kYRUB5SJXG5dQMfpHw3yK4aZMfqnEf8Ds251t3JaSuqp5mmQ6WkLCA+poKh4/qhdN5Ns7OmuUbNe/twXjJiehytkbqc+TaB0HE8Jl395FJOJfwoRfZjkZtNIQjtMAwh9F1CGKPOM7gBE6FHeCQ9jOM+wWsBz8AWATqfZwtPcMcNfSVs7xnYQge5Se6RwHeV8D0qgqdzc0NQKgBfSj/wiC84l+EWk+I5h54xu+8AN3tp9rYS4dXKqLf0aI3Sj6QDAdOOQxhVW56zl35BtpW6wkrTkcmoQA2COuT5UZ/nZcd2sQ8YXD21480VBSkGBgd8j3lMBZIQ8IIlRaT61MYnQ8QAA8KmNhUicPFR4SuJam21yoqd8aHmwAWq9lOeDQzfesHXPacCnGT4qF7UzYvEK8+1AyGA7Cvi0n0WCG+fO4rvS9sRjAqH2gi8Z1XzTbRG/9MHPVFGc6mKm0MaX6pXJ/M6/HxPr2s4eZPnIPp7im7SDsQyjRztr030exvT8YG3M7/xdMTz8YdlfT6ByFd2OtXJ0dIeB8M8Tpb2uIBhCQMB+dJef8gyW9XnS3a7mtExyNWdDkbX6OCmy2UdxN92btuzJJd9UMd3R7CK+j2eSSkkDvlZVUvEYIhgimbBaO5+j9OK0QlE5fpryT335aEThNpzXSn4PgPB0H09Zz8CzgLpOsoJoof8p2edx9f98oHlu/YdE83mD5z98zDh6c2/LL1M7ZzYszGhRfaauqOyz8a6FuEb8o5KPw3iLaIb2o7KPV2aWuQ2tF2Ve7q4tQluiDsq+Vyq0SL8lL6j8s8kUS3S19QdlX02OWwRviHvqPSzWW+L9A3ZMqeqnlM3uYa0GnyhdHK3Z+vQ7u2VN2offhsl4+k2w2w18KFn1J4OeRHLpvCkPy9ImtLDAruixN10eWFm+sL0W8HcfBGxRk1rx3dI2k+qTVFVv6i3Rp9xBXnVrdGjfOOJe4TaWts2CEiyKrtwolAIV7pK2q4tJeHBM18j7VTVcfkr7p+y8vjII/Gbrz4qfQyYKcIpcTlauuC+9255j35h+FMa34JUr2h/IFQURTZxKHUJDWgoQlhpf9uY+q9ZyZO9w9mjU5v/ImjjJ3S7aI4Lmt6EOT7tgC/xhQw9QkNwFAsV5fiz5ejY9tJS8fGVGey14+MzV2aVpaOyK2a4nSV5xXRWZscUw9+IB+AArswcQIhOBMWunCt/tY9XX/g8Bce+69j/wleaLy3BNs3+/tELAVzJkAkuPckYwayUdeG4zE8SbLd+EOTs4LwDMLr0hf/BcZtGVgaBh7/VfunPpB+1+PgEuFCOy4hkhOujrYHJeZbKEA8wHC+egKOhT4hPPdxceriaeUTKZ5zOow6RlMkIedIAYwXx2erP57qyLL5soMqzbLAAQzdeyYQXT/rIpYtbg80f0FqtyOo0y6S9dp+NymLIJZzxFFoKxqD/2oACVV8/rkw8mfwf3THK17hHAAA=&quot;"/>
     <we:property name="embedUrl" value="&quot;/reportEmbed?reportId=9866cfc1-bec4-40ed-ae20-10ca05b38419&amp;groupId=bed404da-61d9-4934-9323-f0fde4cecc71&amp;w=2&amp;config=eyJjbHVzdGVyVXJsIjoiaHR0cHM6Ly9XQUJJLUlORElBLUNFTlRSQUwtQS1QUklNQVJZLXJlZGlyZWN0LmFuYWx5c2lzLndpbmRvd3MubmV0IiwiZW1iZWRGZWF0dXJlcyI6eyJtb2Rlcm5FbWJlZCI6dHJ1ZSwidXNhZ2VNZXRyaWNzVk5leHQiOnRydWV9fQ%3D%3D&amp;disableSensitivityBanner=true&quot;"/>
     <we:property name="datasetId" value="&quot;98ff7f19-9928-4f5a-9ec0-d9171b0fb33d&quot;"/>
     <we:property name="pageName" value="&quot;ReportSection&quot;"/>
